--- a/UNISUL-201807/slides/Oficina Neo4j - Parte I.pptx
+++ b/UNISUL-201807/slides/Oficina Neo4j - Parte I.pptx
@@ -274,7 +274,7 @@
             <a:fld id="{A5B1C66F-3B8A-431A-B9FC-0343753B4243}" type="datetimeFigureOut">
               <a:rPr lang="pt-BR" smtClean="0"/>
               <a:pPr/>
-              <a:t>06/07/2018</a:t>
+              <a:t>07/07/2018</a:t>
             </a:fld>
             <a:endParaRPr lang="pt-BR" dirty="0"/>
           </a:p>
@@ -442,7 +442,7 @@
             <a:fld id="{7A6F86BF-528C-4678-BD49-61E22CE00DC3}" type="datetimeFigureOut">
               <a:rPr lang="en-US" smtClean="0"/>
               <a:pPr/>
-              <a:t>7/6/2018</a:t>
+              <a:t>7/7/2018</a:t>
             </a:fld>
             <a:endParaRPr lang="en-US" dirty="0"/>
           </a:p>
@@ -23087,14 +23087,14 @@
           <p:nvPr>
             <p:extLst>
               <p:ext uri="{D42A27DB-BD31-4B8C-83A1-F6EECF244321}">
-                <p14:modId xmlns:p14="http://schemas.microsoft.com/office/powerpoint/2010/main" val="2653428270"/>
+                <p14:modId xmlns:p14="http://schemas.microsoft.com/office/powerpoint/2010/main" val="2281695764"/>
               </p:ext>
             </p:extLst>
           </p:nvPr>
         </p:nvGraphicFramePr>
         <p:xfrm>
           <a:off x="395536" y="1203598"/>
-          <a:ext cx="8280920" cy="3456384"/>
+          <a:ext cx="8280920" cy="3678150"/>
         </p:xfrm>
         <a:graphic>
           <a:graphicData uri="http://schemas.openxmlformats.org/drawingml/2006/table">
@@ -23118,7 +23118,7 @@
                   </a:extLst>
                 </a:gridCol>
               </a:tblGrid>
-              <a:tr h="576064">
+              <a:tr h="525450">
                 <a:tc>
                   <a:txBody>
                     <a:bodyPr/>
@@ -23126,7 +23126,7 @@
                     <a:p>
                       <a:pPr algn="ctr"/>
                       <a:r>
-                        <a:rPr lang="pt-BR" sz="2800" dirty="0"/>
+                        <a:rPr lang="pt-BR" sz="2400" dirty="0"/>
                         <a:t>COMANDO</a:t>
                       </a:r>
                     </a:p>
@@ -23140,7 +23140,7 @@
                     <a:p>
                       <a:pPr algn="ctr"/>
                       <a:r>
-                        <a:rPr lang="pt-BR" sz="2800" dirty="0"/>
+                        <a:rPr lang="pt-BR" sz="2400" dirty="0"/>
                         <a:t>AÇÃO</a:t>
                       </a:r>
                     </a:p>
@@ -23153,7 +23153,7 @@
                   </a:ext>
                 </a:extLst>
               </a:tr>
-              <a:tr h="576064">
+              <a:tr h="525450">
                 <a:tc>
                   <a:txBody>
                     <a:bodyPr/>
@@ -23161,7 +23161,7 @@
                     <a:p>
                       <a:pPr algn="ctr"/>
                       <a:r>
-                        <a:rPr lang="pt-BR" sz="2800" dirty="0"/>
+                        <a:rPr lang="pt-BR" sz="2400" dirty="0"/>
                         <a:t>:CLEAR</a:t>
                       </a:r>
                     </a:p>
@@ -23175,14 +23175,14 @@
                     <a:p>
                       <a:pPr algn="ctr"/>
                       <a:r>
-                        <a:rPr lang="pt-BR" sz="2800" dirty="0"/>
+                        <a:rPr lang="pt-BR" sz="2400" dirty="0"/>
                         <a:t>Limpa</a:t>
                       </a:r>
                       <a:r>
-                        <a:rPr lang="pt-BR" sz="2800" baseline="0" dirty="0"/>
+                        <a:rPr lang="pt-BR" sz="2400" baseline="0" dirty="0"/>
                         <a:t> os resultados.</a:t>
                       </a:r>
-                      <a:endParaRPr lang="pt-BR" sz="2800" dirty="0"/>
+                      <a:endParaRPr lang="pt-BR" sz="2400" dirty="0"/>
                     </a:p>
                   </a:txBody>
                   <a:tcPr anchor="ctr"/>
@@ -23193,7 +23193,7 @@
                   </a:ext>
                 </a:extLst>
               </a:tr>
-              <a:tr h="576064">
+              <a:tr h="525450">
                 <a:tc>
                   <a:txBody>
                     <a:bodyPr/>
@@ -23201,14 +23201,14 @@
                     <a:p>
                       <a:pPr algn="ctr"/>
                       <a:r>
-                        <a:rPr lang="pt-BR" sz="2800" dirty="0"/>
+                        <a:rPr lang="pt-BR" sz="2400" dirty="0"/>
                         <a:t>SHIFT</a:t>
                       </a:r>
                       <a:r>
-                        <a:rPr lang="pt-BR" sz="2800" baseline="0" dirty="0"/>
+                        <a:rPr lang="pt-BR" sz="2400" baseline="0" dirty="0"/>
                         <a:t> + ENTER</a:t>
                       </a:r>
-                      <a:endParaRPr lang="pt-BR" sz="2800" dirty="0"/>
+                      <a:endParaRPr lang="pt-BR" sz="2400" dirty="0"/>
                     </a:p>
                   </a:txBody>
                   <a:tcPr anchor="ctr"/>
@@ -23220,16 +23220,8 @@
                     <a:p>
                       <a:pPr algn="ctr"/>
                       <a:r>
-                        <a:rPr lang="pt-BR" sz="2800" dirty="0"/>
-                        <a:t>Modo </a:t>
-                      </a:r>
-                      <a:r>
-                        <a:rPr lang="pt-BR" sz="2800" dirty="0" err="1"/>
-                        <a:t>multi-linha</a:t>
-                      </a:r>
-                      <a:r>
-                        <a:rPr lang="pt-BR" sz="2800" dirty="0"/>
-                        <a:t>.</a:t>
+                        <a:rPr lang="pt-BR" sz="2400" dirty="0"/>
+                        <a:t>Nova linha.</a:t>
                       </a:r>
                     </a:p>
                   </a:txBody>
@@ -23241,7 +23233,7 @@
                   </a:ext>
                 </a:extLst>
               </a:tr>
-              <a:tr h="576064">
+              <a:tr h="525450">
                 <a:tc>
                   <a:txBody>
                     <a:bodyPr/>
@@ -23249,11 +23241,11 @@
                     <a:p>
                       <a:pPr algn="ctr"/>
                       <a:r>
-                        <a:rPr lang="pt-BR" sz="2800"/>
+                        <a:rPr lang="pt-BR" sz="2400"/>
                         <a:t>CTRL </a:t>
                       </a:r>
                       <a:r>
-                        <a:rPr lang="pt-BR" sz="2800" dirty="0"/>
+                        <a:rPr lang="pt-BR" sz="2400" dirty="0"/>
                         <a:t>+ ENTER</a:t>
                       </a:r>
                     </a:p>
@@ -23267,15 +23259,15 @@
                     <a:p>
                       <a:pPr algn="ctr"/>
                       <a:r>
-                        <a:rPr lang="pt-BR" sz="2800" dirty="0"/>
+                        <a:rPr lang="pt-BR" sz="2400" dirty="0"/>
                         <a:t>Executa comando </a:t>
                       </a:r>
                       <a:r>
-                        <a:rPr lang="pt-BR" sz="2800" dirty="0" err="1"/>
+                        <a:rPr lang="pt-BR" sz="2400" dirty="0" err="1"/>
                         <a:t>multi-linha</a:t>
                       </a:r>
                       <a:r>
-                        <a:rPr lang="pt-BR" sz="2800" dirty="0"/>
+                        <a:rPr lang="pt-BR" sz="2400" dirty="0"/>
                         <a:t>.</a:t>
                       </a:r>
                     </a:p>
@@ -23288,7 +23280,7 @@
                   </a:ext>
                 </a:extLst>
               </a:tr>
-              <a:tr h="576064">
+              <a:tr h="525450">
                 <a:tc>
                   <a:txBody>
                     <a:bodyPr/>
@@ -23296,15 +23288,15 @@
                     <a:p>
                       <a:pPr algn="ctr"/>
                       <a:r>
-                        <a:rPr lang="pt-BR" sz="2800" dirty="0"/>
+                        <a:rPr lang="pt-BR" sz="2400" dirty="0"/>
                         <a:t>(CTRL</a:t>
                       </a:r>
                       <a:r>
-                        <a:rPr lang="pt-BR" sz="2800" baseline="0" dirty="0"/>
+                        <a:rPr lang="pt-BR" sz="2400" baseline="0" dirty="0"/>
                         <a:t> +) </a:t>
                       </a:r>
                       <a:r>
-                        <a:rPr lang="pt-BR" sz="2800" dirty="0"/>
+                        <a:rPr lang="pt-BR" sz="2400" dirty="0"/>
                         <a:t>↑</a:t>
                       </a:r>
                     </a:p>
@@ -23318,7 +23310,7 @@
                     <a:p>
                       <a:pPr algn="ctr"/>
                       <a:r>
-                        <a:rPr lang="pt-BR" sz="2800" dirty="0"/>
+                        <a:rPr lang="pt-BR" sz="2400" dirty="0"/>
                         <a:t>Comando anterior.</a:t>
                       </a:r>
                     </a:p>
@@ -23331,7 +23323,7 @@
                   </a:ext>
                 </a:extLst>
               </a:tr>
-              <a:tr h="576064">
+              <a:tr h="525450">
                 <a:tc>
                   <a:txBody>
                     <a:bodyPr/>
@@ -23339,7 +23331,50 @@
                     <a:p>
                       <a:pPr algn="ctr"/>
                       <a:r>
-                        <a:rPr lang="pt-BR" sz="2800" dirty="0"/>
+                        <a:rPr lang="pt-BR" sz="2400" dirty="0"/>
+                        <a:t>ESC</a:t>
+                      </a:r>
+                    </a:p>
+                  </a:txBody>
+                  <a:tcPr anchor="ctr"/>
+                </a:tc>
+                <a:tc>
+                  <a:txBody>
+                    <a:bodyPr/>
+                    <a:lstStyle/>
+                    <a:p>
+                      <a:pPr algn="ctr"/>
+                      <a:r>
+                        <a:rPr lang="pt-BR" sz="2400" dirty="0"/>
+                        <a:t>Expande a área do </a:t>
+                      </a:r>
+                      <a:r>
+                        <a:rPr lang="pt-BR" sz="2400" dirty="0" err="1"/>
+                        <a:t>Cypher</a:t>
+                      </a:r>
+                      <a:r>
+                        <a:rPr lang="pt-BR" sz="2400" dirty="0"/>
+                        <a:t>.</a:t>
+                      </a:r>
+                    </a:p>
+                  </a:txBody>
+                  <a:tcPr anchor="ctr"/>
+                </a:tc>
+                <a:extLst>
+                  <a:ext uri="{0D108BD9-81ED-4DB2-BD59-A6C34878D82A}">
+                    <a16:rowId xmlns:a16="http://schemas.microsoft.com/office/drawing/2014/main" val="1211951081"/>
+                  </a:ext>
+                </a:extLst>
+              </a:tr>
+              <a:tr h="525450">
+                <a:tc>
+                  <a:txBody>
+                    <a:bodyPr/>
+                    <a:lstStyle/>
+                    <a:p>
+                      <a:pPr algn="ctr"/>
+                      <a:r>
+                        <a:rPr lang="pt-BR" sz="2400" dirty="0"/>
                         <a:t>← → ← + X</a:t>
                       </a:r>
                     </a:p>
@@ -23352,14 +23387,7 @@
                     <a:lstStyle/>
                     <a:p>
                       <a:pPr algn="ctr"/>
-                      <a:r>
-                        <a:rPr lang="pt-BR" sz="2800" dirty="0" err="1"/>
-                        <a:t>Fatality</a:t>
-                      </a:r>
-                      <a:r>
-                        <a:rPr lang="pt-BR" sz="2800" dirty="0"/>
-                        <a:t>!</a:t>
-                      </a:r>
+                      <a:endParaRPr lang="pt-BR" sz="2400" dirty="0"/>
                     </a:p>
                   </a:txBody>
                   <a:tcPr anchor="ctr"/>
@@ -23444,7 +23472,7 @@
         </p:blipFill>
         <p:spPr bwMode="auto">
           <a:xfrm>
-            <a:off x="4067944" y="4083918"/>
+            <a:off x="3635896" y="4349372"/>
             <a:ext cx="576064" cy="576064"/>
           </a:xfrm>
           <a:prstGeom prst="rect">
@@ -23462,49 +23490,6 @@
           </a:extLst>
         </p:spPr>
       </p:pic>
-      <p:sp>
-        <p:nvSpPr>
-          <p:cNvPr id="3" name="Retângulo 2"/>
-          <p:cNvSpPr/>
-          <p:nvPr/>
-        </p:nvSpPr>
-        <p:spPr>
-          <a:xfrm>
-            <a:off x="395536" y="4083918"/>
-            <a:ext cx="8280920" cy="576064"/>
-          </a:xfrm>
-          <a:prstGeom prst="rect">
-            <a:avLst/>
-          </a:prstGeom>
-          <a:ln>
-            <a:noFill/>
-          </a:ln>
-        </p:spPr>
-        <p:style>
-          <a:lnRef idx="2">
-            <a:schemeClr val="accent1">
-              <a:shade val="50000"/>
-            </a:schemeClr>
-          </a:lnRef>
-          <a:fillRef idx="1">
-            <a:schemeClr val="accent1"/>
-          </a:fillRef>
-          <a:effectRef idx="0">
-            <a:schemeClr val="accent1"/>
-          </a:effectRef>
-          <a:fontRef idx="minor">
-            <a:schemeClr val="lt1"/>
-          </a:fontRef>
-        </p:style>
-        <p:txBody>
-          <a:bodyPr rtlCol="0" anchor="ctr"/>
-          <a:lstStyle/>
-          <a:p>
-            <a:pPr algn="ctr"/>
-            <a:endParaRPr lang="pt-BR"/>
-          </a:p>
-        </p:txBody>
-      </p:sp>
     </p:spTree>
     <p:extLst>
       <p:ext uri="{BB962C8B-B14F-4D97-AF65-F5344CB8AC3E}">
@@ -23523,92 +23508,6 @@
       <p:transition spd="slow" advTm="34257"/>
     </mc:Fallback>
   </mc:AlternateContent>
-  <p:timing>
-    <p:tnLst>
-      <p:par>
-        <p:cTn id="1" dur="indefinite" restart="never" nodeType="tmRoot">
-          <p:childTnLst>
-            <p:seq concurrent="1" nextAc="seek">
-              <p:cTn id="2" dur="indefinite" nodeType="mainSeq">
-                <p:childTnLst>
-                  <p:par>
-                    <p:cTn id="3" fill="hold">
-                      <p:stCondLst>
-                        <p:cond delay="indefinite"/>
-                      </p:stCondLst>
-                      <p:childTnLst>
-                        <p:par>
-                          <p:cTn id="4" fill="hold">
-                            <p:stCondLst>
-                              <p:cond delay="0"/>
-                            </p:stCondLst>
-                            <p:childTnLst>
-                              <p:par>
-                                <p:cTn id="5" presetID="10" presetClass="exit" presetSubtype="0" fill="hold" grpId="0" nodeType="clickEffect">
-                                  <p:stCondLst>
-                                    <p:cond delay="0"/>
-                                  </p:stCondLst>
-                                  <p:childTnLst>
-                                    <p:animEffect transition="out" filter="fade">
-                                      <p:cBhvr>
-                                        <p:cTn id="6" dur="500"/>
-                                        <p:tgtEl>
-                                          <p:spTgt spid="3"/>
-                                        </p:tgtEl>
-                                      </p:cBhvr>
-                                    </p:animEffect>
-                                    <p:set>
-                                      <p:cBhvr>
-                                        <p:cTn id="7" dur="1" fill="hold">
-                                          <p:stCondLst>
-                                            <p:cond delay="499"/>
-                                          </p:stCondLst>
-                                        </p:cTn>
-                                        <p:tgtEl>
-                                          <p:spTgt spid="3"/>
-                                        </p:tgtEl>
-                                        <p:attrNameLst>
-                                          <p:attrName>style.visibility</p:attrName>
-                                        </p:attrNameLst>
-                                      </p:cBhvr>
-                                      <p:to>
-                                        <p:strVal val="hidden"/>
-                                      </p:to>
-                                    </p:set>
-                                  </p:childTnLst>
-                                </p:cTn>
-                              </p:par>
-                            </p:childTnLst>
-                          </p:cTn>
-                        </p:par>
-                      </p:childTnLst>
-                    </p:cTn>
-                  </p:par>
-                </p:childTnLst>
-              </p:cTn>
-              <p:prevCondLst>
-                <p:cond evt="onPrev" delay="0">
-                  <p:tgtEl>
-                    <p:sldTgt/>
-                  </p:tgtEl>
-                </p:cond>
-              </p:prevCondLst>
-              <p:nextCondLst>
-                <p:cond evt="onNext" delay="0">
-                  <p:tgtEl>
-                    <p:sldTgt/>
-                  </p:tgtEl>
-                </p:cond>
-              </p:nextCondLst>
-            </p:seq>
-          </p:childTnLst>
-        </p:cTn>
-      </p:par>
-    </p:tnLst>
-    <p:bldLst>
-      <p:bldP spid="3" grpId="0" animBg="1"/>
-    </p:bldLst>
-  </p:timing>
 </p:sld>
 </file>
 
